--- a/7.pptx
+++ b/7.pptx
@@ -108,6 +108,11 @@
       </a:defRPr>
     </a:lvl9pPr>
   </p:defaultTextStyle>
+  <p:extLst>
+    <p:ext uri="{EFAFB233-063F-42B5-8137-9DF3F51BA10A}">
+      <p15:sldGuideLst xmlns:p15="http://schemas.microsoft.com/office/powerpoint/2012/main"/>
+    </p:ext>
+  </p:extLst>
 </p:presentation>
 </file>
 
@@ -153,10 +158,9 @@
           </a:lstStyle>
           <a:p>
             <a:r>
-              <a:rPr lang="he-IL" smtClean="0"/>
+              <a:rPr lang="he-IL"/>
               <a:t>לחץ כדי לערוך סגנון כותרת של תבנית בסיס</a:t>
             </a:r>
-            <a:endParaRPr lang="he-IL"/>
           </a:p>
         </p:txBody>
       </p:sp>
@@ -218,10 +222,9 @@
           </a:lstStyle>
           <a:p>
             <a:r>
-              <a:rPr lang="he-IL" smtClean="0"/>
+              <a:rPr lang="he-IL"/>
               <a:t>לחץ כדי לערוך סגנון כותרת משנה של תבנית בסיס</a:t>
             </a:r>
-            <a:endParaRPr lang="he-IL"/>
           </a:p>
         </p:txBody>
       </p:sp>
@@ -336,10 +339,9 @@
           <a:lstStyle/>
           <a:p>
             <a:r>
-              <a:rPr lang="he-IL" smtClean="0"/>
+              <a:rPr lang="he-IL"/>
               <a:t>לחץ כדי לערוך סגנון כותרת של תבנית בסיס</a:t>
             </a:r>
-            <a:endParaRPr lang="he-IL"/>
           </a:p>
         </p:txBody>
       </p:sp>
@@ -360,38 +362,37 @@
           <a:p>
             <a:pPr lvl="0"/>
             <a:r>
-              <a:rPr lang="he-IL" smtClean="0"/>
+              <a:rPr lang="he-IL"/>
               <a:t>ערוך סגנונות טקסט של תבנית בסיס</a:t>
             </a:r>
           </a:p>
           <a:p>
             <a:pPr lvl="1"/>
             <a:r>
-              <a:rPr lang="he-IL" smtClean="0"/>
+              <a:rPr lang="he-IL"/>
               <a:t>רמה שניה</a:t>
             </a:r>
           </a:p>
           <a:p>
             <a:pPr lvl="2"/>
             <a:r>
-              <a:rPr lang="he-IL" smtClean="0"/>
+              <a:rPr lang="he-IL"/>
               <a:t>רמה שלישית</a:t>
             </a:r>
           </a:p>
           <a:p>
             <a:pPr lvl="3"/>
             <a:r>
-              <a:rPr lang="he-IL" smtClean="0"/>
+              <a:rPr lang="he-IL"/>
               <a:t>רמה רביעית</a:t>
             </a:r>
           </a:p>
           <a:p>
             <a:pPr lvl="4"/>
             <a:r>
-              <a:rPr lang="he-IL" smtClean="0"/>
+              <a:rPr lang="he-IL"/>
               <a:t>רמה חמישית</a:t>
             </a:r>
-            <a:endParaRPr lang="he-IL"/>
           </a:p>
         </p:txBody>
       </p:sp>
@@ -511,10 +512,9 @@
           <a:lstStyle/>
           <a:p>
             <a:r>
-              <a:rPr lang="he-IL" smtClean="0"/>
+              <a:rPr lang="he-IL"/>
               <a:t>לחץ כדי לערוך סגנון כותרת של תבנית בסיס</a:t>
             </a:r>
-            <a:endParaRPr lang="he-IL"/>
           </a:p>
         </p:txBody>
       </p:sp>
@@ -540,38 +540,37 @@
           <a:p>
             <a:pPr lvl="0"/>
             <a:r>
-              <a:rPr lang="he-IL" smtClean="0"/>
+              <a:rPr lang="he-IL"/>
               <a:t>ערוך סגנונות טקסט של תבנית בסיס</a:t>
             </a:r>
           </a:p>
           <a:p>
             <a:pPr lvl="1"/>
             <a:r>
-              <a:rPr lang="he-IL" smtClean="0"/>
+              <a:rPr lang="he-IL"/>
               <a:t>רמה שניה</a:t>
             </a:r>
           </a:p>
           <a:p>
             <a:pPr lvl="2"/>
             <a:r>
-              <a:rPr lang="he-IL" smtClean="0"/>
+              <a:rPr lang="he-IL"/>
               <a:t>רמה שלישית</a:t>
             </a:r>
           </a:p>
           <a:p>
             <a:pPr lvl="3"/>
             <a:r>
-              <a:rPr lang="he-IL" smtClean="0"/>
+              <a:rPr lang="he-IL"/>
               <a:t>רמה רביעית</a:t>
             </a:r>
           </a:p>
           <a:p>
             <a:pPr lvl="4"/>
             <a:r>
-              <a:rPr lang="he-IL" smtClean="0"/>
+              <a:rPr lang="he-IL"/>
               <a:t>רמה חמישית</a:t>
             </a:r>
-            <a:endParaRPr lang="he-IL"/>
           </a:p>
         </p:txBody>
       </p:sp>
@@ -686,10 +685,9 @@
           <a:lstStyle/>
           <a:p>
             <a:r>
-              <a:rPr lang="he-IL" smtClean="0"/>
+              <a:rPr lang="he-IL"/>
               <a:t>לחץ כדי לערוך סגנון כותרת של תבנית בסיס</a:t>
             </a:r>
-            <a:endParaRPr lang="he-IL"/>
           </a:p>
         </p:txBody>
       </p:sp>
@@ -710,38 +708,37 @@
           <a:p>
             <a:pPr lvl="0"/>
             <a:r>
-              <a:rPr lang="he-IL" smtClean="0"/>
+              <a:rPr lang="he-IL"/>
               <a:t>ערוך סגנונות טקסט של תבנית בסיס</a:t>
             </a:r>
           </a:p>
           <a:p>
             <a:pPr lvl="1"/>
             <a:r>
-              <a:rPr lang="he-IL" smtClean="0"/>
+              <a:rPr lang="he-IL"/>
               <a:t>רמה שניה</a:t>
             </a:r>
           </a:p>
           <a:p>
             <a:pPr lvl="2"/>
             <a:r>
-              <a:rPr lang="he-IL" smtClean="0"/>
+              <a:rPr lang="he-IL"/>
               <a:t>רמה שלישית</a:t>
             </a:r>
           </a:p>
           <a:p>
             <a:pPr lvl="3"/>
             <a:r>
-              <a:rPr lang="he-IL" smtClean="0"/>
+              <a:rPr lang="he-IL"/>
               <a:t>רמה רביעית</a:t>
             </a:r>
           </a:p>
           <a:p>
             <a:pPr lvl="4"/>
             <a:r>
-              <a:rPr lang="he-IL" smtClean="0"/>
+              <a:rPr lang="he-IL"/>
               <a:t>רמה חמישית</a:t>
             </a:r>
-            <a:endParaRPr lang="he-IL"/>
           </a:p>
         </p:txBody>
       </p:sp>
@@ -865,10 +862,9 @@
           </a:lstStyle>
           <a:p>
             <a:r>
-              <a:rPr lang="he-IL" smtClean="0"/>
+              <a:rPr lang="he-IL"/>
               <a:t>לחץ כדי לערוך סגנון כותרת של תבנית בסיס</a:t>
             </a:r>
-            <a:endParaRPr lang="he-IL"/>
           </a:p>
         </p:txBody>
       </p:sp>
@@ -985,7 +981,7 @@
           <a:p>
             <a:pPr lvl="0"/>
             <a:r>
-              <a:rPr lang="he-IL" smtClean="0"/>
+              <a:rPr lang="he-IL"/>
               <a:t>ערוך סגנונות טקסט של תבנית בסיס</a:t>
             </a:r>
           </a:p>
@@ -1102,10 +1098,9 @@
           <a:lstStyle/>
           <a:p>
             <a:r>
-              <a:rPr lang="he-IL" smtClean="0"/>
+              <a:rPr lang="he-IL"/>
               <a:t>לחץ כדי לערוך סגנון כותרת של תבנית בסיס</a:t>
             </a:r>
-            <a:endParaRPr lang="he-IL"/>
           </a:p>
         </p:txBody>
       </p:sp>
@@ -1131,38 +1126,37 @@
           <a:p>
             <a:pPr lvl="0"/>
             <a:r>
-              <a:rPr lang="he-IL" smtClean="0"/>
+              <a:rPr lang="he-IL"/>
               <a:t>ערוך סגנונות טקסט של תבנית בסיס</a:t>
             </a:r>
           </a:p>
           <a:p>
             <a:pPr lvl="1"/>
             <a:r>
-              <a:rPr lang="he-IL" smtClean="0"/>
+              <a:rPr lang="he-IL"/>
               <a:t>רמה שניה</a:t>
             </a:r>
           </a:p>
           <a:p>
             <a:pPr lvl="2"/>
             <a:r>
-              <a:rPr lang="he-IL" smtClean="0"/>
+              <a:rPr lang="he-IL"/>
               <a:t>רמה שלישית</a:t>
             </a:r>
           </a:p>
           <a:p>
             <a:pPr lvl="3"/>
             <a:r>
-              <a:rPr lang="he-IL" smtClean="0"/>
+              <a:rPr lang="he-IL"/>
               <a:t>רמה רביעית</a:t>
             </a:r>
           </a:p>
           <a:p>
             <a:pPr lvl="4"/>
             <a:r>
-              <a:rPr lang="he-IL" smtClean="0"/>
+              <a:rPr lang="he-IL"/>
               <a:t>רמה חמישית</a:t>
             </a:r>
-            <a:endParaRPr lang="he-IL"/>
           </a:p>
         </p:txBody>
       </p:sp>
@@ -1188,38 +1182,37 @@
           <a:p>
             <a:pPr lvl="0"/>
             <a:r>
-              <a:rPr lang="he-IL" smtClean="0"/>
+              <a:rPr lang="he-IL"/>
               <a:t>ערוך סגנונות טקסט של תבנית בסיס</a:t>
             </a:r>
           </a:p>
           <a:p>
             <a:pPr lvl="1"/>
             <a:r>
-              <a:rPr lang="he-IL" smtClean="0"/>
+              <a:rPr lang="he-IL"/>
               <a:t>רמה שניה</a:t>
             </a:r>
           </a:p>
           <a:p>
             <a:pPr lvl="2"/>
             <a:r>
-              <a:rPr lang="he-IL" smtClean="0"/>
+              <a:rPr lang="he-IL"/>
               <a:t>רמה שלישית</a:t>
             </a:r>
           </a:p>
           <a:p>
             <a:pPr lvl="3"/>
             <a:r>
-              <a:rPr lang="he-IL" smtClean="0"/>
+              <a:rPr lang="he-IL"/>
               <a:t>רמה רביעית</a:t>
             </a:r>
           </a:p>
           <a:p>
             <a:pPr lvl="4"/>
             <a:r>
-              <a:rPr lang="he-IL" smtClean="0"/>
+              <a:rPr lang="he-IL"/>
               <a:t>רמה חמישית</a:t>
             </a:r>
-            <a:endParaRPr lang="he-IL"/>
           </a:p>
         </p:txBody>
       </p:sp>
@@ -1339,10 +1332,9 @@
           <a:lstStyle/>
           <a:p>
             <a:r>
-              <a:rPr lang="he-IL" smtClean="0"/>
+              <a:rPr lang="he-IL"/>
               <a:t>לחץ כדי לערוך סגנון כותרת של תבנית בסיס</a:t>
             </a:r>
-            <a:endParaRPr lang="he-IL"/>
           </a:p>
         </p:txBody>
       </p:sp>
@@ -1405,7 +1397,7 @@
           <a:p>
             <a:pPr lvl="0"/>
             <a:r>
-              <a:rPr lang="he-IL" smtClean="0"/>
+              <a:rPr lang="he-IL"/>
               <a:t>ערוך סגנונות טקסט של תבנית בסיס</a:t>
             </a:r>
           </a:p>
@@ -1433,38 +1425,37 @@
           <a:p>
             <a:pPr lvl="0"/>
             <a:r>
-              <a:rPr lang="he-IL" smtClean="0"/>
+              <a:rPr lang="he-IL"/>
               <a:t>ערוך סגנונות טקסט של תבנית בסיס</a:t>
             </a:r>
           </a:p>
           <a:p>
             <a:pPr lvl="1"/>
             <a:r>
-              <a:rPr lang="he-IL" smtClean="0"/>
+              <a:rPr lang="he-IL"/>
               <a:t>רמה שניה</a:t>
             </a:r>
           </a:p>
           <a:p>
             <a:pPr lvl="2"/>
             <a:r>
-              <a:rPr lang="he-IL" smtClean="0"/>
+              <a:rPr lang="he-IL"/>
               <a:t>רמה שלישית</a:t>
             </a:r>
           </a:p>
           <a:p>
             <a:pPr lvl="3"/>
             <a:r>
-              <a:rPr lang="he-IL" smtClean="0"/>
+              <a:rPr lang="he-IL"/>
               <a:t>רמה רביעית</a:t>
             </a:r>
           </a:p>
           <a:p>
             <a:pPr lvl="4"/>
             <a:r>
-              <a:rPr lang="he-IL" smtClean="0"/>
+              <a:rPr lang="he-IL"/>
               <a:t>רמה חמישית</a:t>
             </a:r>
-            <a:endParaRPr lang="he-IL"/>
           </a:p>
         </p:txBody>
       </p:sp>
@@ -1527,7 +1518,7 @@
           <a:p>
             <a:pPr lvl="0"/>
             <a:r>
-              <a:rPr lang="he-IL" smtClean="0"/>
+              <a:rPr lang="he-IL"/>
               <a:t>ערוך סגנונות טקסט של תבנית בסיס</a:t>
             </a:r>
           </a:p>
@@ -1555,38 +1546,37 @@
           <a:p>
             <a:pPr lvl="0"/>
             <a:r>
-              <a:rPr lang="he-IL" smtClean="0"/>
+              <a:rPr lang="he-IL"/>
               <a:t>ערוך סגנונות טקסט של תבנית בסיס</a:t>
             </a:r>
           </a:p>
           <a:p>
             <a:pPr lvl="1"/>
             <a:r>
-              <a:rPr lang="he-IL" smtClean="0"/>
+              <a:rPr lang="he-IL"/>
               <a:t>רמה שניה</a:t>
             </a:r>
           </a:p>
           <a:p>
             <a:pPr lvl="2"/>
             <a:r>
-              <a:rPr lang="he-IL" smtClean="0"/>
+              <a:rPr lang="he-IL"/>
               <a:t>רמה שלישית</a:t>
             </a:r>
           </a:p>
           <a:p>
             <a:pPr lvl="3"/>
             <a:r>
-              <a:rPr lang="he-IL" smtClean="0"/>
+              <a:rPr lang="he-IL"/>
               <a:t>רמה רביעית</a:t>
             </a:r>
           </a:p>
           <a:p>
             <a:pPr lvl="4"/>
             <a:r>
-              <a:rPr lang="he-IL" smtClean="0"/>
+              <a:rPr lang="he-IL"/>
               <a:t>רמה חמישית</a:t>
             </a:r>
-            <a:endParaRPr lang="he-IL"/>
           </a:p>
         </p:txBody>
       </p:sp>
@@ -1701,10 +1691,9 @@
           <a:lstStyle/>
           <a:p>
             <a:r>
-              <a:rPr lang="he-IL" smtClean="0"/>
+              <a:rPr lang="he-IL"/>
               <a:t>לחץ כדי לערוך סגנון כותרת של תבנית בסיס</a:t>
             </a:r>
-            <a:endParaRPr lang="he-IL"/>
           </a:p>
         </p:txBody>
       </p:sp>
@@ -1923,10 +1912,9 @@
           </a:lstStyle>
           <a:p>
             <a:r>
-              <a:rPr lang="he-IL" smtClean="0"/>
+              <a:rPr lang="he-IL"/>
               <a:t>לחץ כדי לערוך סגנון כותרת של תבנית בסיס</a:t>
             </a:r>
-            <a:endParaRPr lang="he-IL"/>
           </a:p>
         </p:txBody>
       </p:sp>
@@ -1980,38 +1968,37 @@
           <a:p>
             <a:pPr lvl="0"/>
             <a:r>
-              <a:rPr lang="he-IL" smtClean="0"/>
+              <a:rPr lang="he-IL"/>
               <a:t>ערוך סגנונות טקסט של תבנית בסיס</a:t>
             </a:r>
           </a:p>
           <a:p>
             <a:pPr lvl="1"/>
             <a:r>
-              <a:rPr lang="he-IL" smtClean="0"/>
+              <a:rPr lang="he-IL"/>
               <a:t>רמה שניה</a:t>
             </a:r>
           </a:p>
           <a:p>
             <a:pPr lvl="2"/>
             <a:r>
-              <a:rPr lang="he-IL" smtClean="0"/>
+              <a:rPr lang="he-IL"/>
               <a:t>רמה שלישית</a:t>
             </a:r>
           </a:p>
           <a:p>
             <a:pPr lvl="3"/>
             <a:r>
-              <a:rPr lang="he-IL" smtClean="0"/>
+              <a:rPr lang="he-IL"/>
               <a:t>רמה רביעית</a:t>
             </a:r>
           </a:p>
           <a:p>
             <a:pPr lvl="4"/>
             <a:r>
-              <a:rPr lang="he-IL" smtClean="0"/>
+              <a:rPr lang="he-IL"/>
               <a:t>רמה חמישית</a:t>
             </a:r>
-            <a:endParaRPr lang="he-IL"/>
           </a:p>
         </p:txBody>
       </p:sp>
@@ -2074,7 +2061,7 @@
           <a:p>
             <a:pPr lvl="0"/>
             <a:r>
-              <a:rPr lang="he-IL" smtClean="0"/>
+              <a:rPr lang="he-IL"/>
               <a:t>ערוך סגנונות טקסט של תבנית בסיס</a:t>
             </a:r>
           </a:p>
@@ -2200,10 +2187,9 @@
           </a:lstStyle>
           <a:p>
             <a:r>
-              <a:rPr lang="he-IL" smtClean="0"/>
+              <a:rPr lang="he-IL"/>
               <a:t>לחץ כדי לערוך סגנון כותרת של תבנית בסיס</a:t>
             </a:r>
-            <a:endParaRPr lang="he-IL"/>
           </a:p>
         </p:txBody>
       </p:sp>
@@ -2327,7 +2313,7 @@
           <a:p>
             <a:pPr lvl="0"/>
             <a:r>
-              <a:rPr lang="he-IL" smtClean="0"/>
+              <a:rPr lang="he-IL"/>
               <a:t>ערוך סגנונות טקסט של תבנית בסיס</a:t>
             </a:r>
           </a:p>
@@ -2459,10 +2445,9 @@
           <a:lstStyle/>
           <a:p>
             <a:r>
-              <a:rPr lang="he-IL" smtClean="0"/>
+              <a:rPr lang="he-IL"/>
               <a:t>לחץ כדי לערוך סגנון כותרת של תבנית בסיס</a:t>
             </a:r>
-            <a:endParaRPr lang="he-IL"/>
           </a:p>
         </p:txBody>
       </p:sp>
@@ -2493,38 +2478,37 @@
           <a:p>
             <a:pPr lvl="0"/>
             <a:r>
-              <a:rPr lang="he-IL" smtClean="0"/>
+              <a:rPr lang="he-IL"/>
               <a:t>ערוך סגנונות טקסט של תבנית בסיס</a:t>
             </a:r>
           </a:p>
           <a:p>
             <a:pPr lvl="1"/>
             <a:r>
-              <a:rPr lang="he-IL" smtClean="0"/>
+              <a:rPr lang="he-IL"/>
               <a:t>רמה שניה</a:t>
             </a:r>
           </a:p>
           <a:p>
             <a:pPr lvl="2"/>
             <a:r>
-              <a:rPr lang="he-IL" smtClean="0"/>
+              <a:rPr lang="he-IL"/>
               <a:t>רמה שלישית</a:t>
             </a:r>
           </a:p>
           <a:p>
             <a:pPr lvl="3"/>
             <a:r>
-              <a:rPr lang="he-IL" smtClean="0"/>
+              <a:rPr lang="he-IL"/>
               <a:t>רמה רביעית</a:t>
             </a:r>
           </a:p>
           <a:p>
             <a:pPr lvl="4"/>
             <a:r>
-              <a:rPr lang="he-IL" smtClean="0"/>
+              <a:rPr lang="he-IL"/>
               <a:t>רמה חמישית</a:t>
             </a:r>
-            <a:endParaRPr lang="he-IL"/>
           </a:p>
         </p:txBody>
       </p:sp>
@@ -3013,7 +2997,7 @@
           <a:lstStyle/>
           <a:p>
             <a:r>
-              <a:rPr lang="en-US" dirty="0" smtClean="0">
+              <a:rPr lang="en-US" dirty="0">
                 <a:solidFill>
                   <a:srgbClr val="00B0F0"/>
                 </a:solidFill>
@@ -3240,7 +3224,7 @@
           <a:lstStyle/>
           <a:p>
             <a:r>
-              <a:rPr lang="he-IL" dirty="0" smtClean="0">
+              <a:rPr lang="he-IL" dirty="0">
                 <a:solidFill>
                   <a:srgbClr val="00B0F0"/>
                 </a:solidFill>
@@ -3254,18 +3238,6 @@
               </a:rPr>
               <a:t>דוגמא פשוטה:</a:t>
             </a:r>
-            <a:endParaRPr lang="he-IL" dirty="0">
-              <a:solidFill>
-                <a:srgbClr val="00B0F0"/>
-              </a:solidFill>
-              <a:effectLst>
-                <a:outerShdw blurRad="38100" dist="38100" dir="2700000" algn="tl">
-                  <a:srgbClr val="000000">
-                    <a:alpha val="43137"/>
-                  </a:srgbClr>
-                </a:outerShdw>
-              </a:effectLst>
-            </a:endParaRPr>
           </a:p>
         </p:txBody>
       </p:sp>
@@ -3338,7 +3310,7 @@
         </p:blipFill>
         <p:spPr>
           <a:xfrm>
-            <a:off x="161130" y="2094271"/>
+            <a:off x="1123155" y="2062166"/>
             <a:ext cx="8798303" cy="4691059"/>
           </a:xfrm>
           <a:prstGeom prst="rect">
@@ -3370,7 +3342,7 @@
           <a:p>
             <a:pPr algn="ctr"/>
             <a:r>
-              <a:rPr lang="he-IL" dirty="0" smtClean="0">
+              <a:rPr lang="he-IL" dirty="0">
                 <a:solidFill>
                   <a:srgbClr val="00B0F0"/>
                 </a:solidFill>
@@ -3385,7 +3357,7 @@
               <a:t>שימוש ב </a:t>
             </a:r>
             <a:r>
-              <a:rPr lang="en-US" dirty="0" smtClean="0">
+              <a:rPr lang="en-US" dirty="0">
                 <a:solidFill>
                   <a:srgbClr val="00B0F0"/>
                 </a:solidFill>
@@ -3400,7 +3372,7 @@
               <a:t> useRef </a:t>
             </a:r>
             <a:r>
-              <a:rPr lang="he-IL" dirty="0" smtClean="0">
+              <a:rPr lang="he-IL" dirty="0">
                 <a:solidFill>
                   <a:srgbClr val="00B0F0"/>
                 </a:solidFill>
@@ -3415,7 +3387,7 @@
               <a:t>לגישה לאלמנט ב </a:t>
             </a:r>
             <a:r>
-              <a:rPr lang="en-US" dirty="0" smtClean="0">
+              <a:rPr lang="en-US" dirty="0">
                 <a:solidFill>
                   <a:srgbClr val="00B0F0"/>
                 </a:solidFill>
@@ -3468,26 +3440,25 @@
               <a:buNone/>
             </a:pPr>
             <a:r>
-              <a:rPr lang="he-IL" dirty="0" smtClean="0"/>
+              <a:rPr lang="he-IL" dirty="0"/>
               <a:t>אחד השימושים הנפוצים ב </a:t>
             </a:r>
             <a:r>
-              <a:rPr lang="en-US" dirty="0" smtClean="0"/>
+              <a:rPr lang="en-US" dirty="0"/>
               <a:t>useRef</a:t>
             </a:r>
             <a:r>
-              <a:rPr lang="he-IL" dirty="0" smtClean="0"/>
+              <a:rPr lang="he-IL" dirty="0"/>
               <a:t> הוא כדי לקבל גישה לאלמנטים מסוימים בדף בלי </a:t>
             </a:r>
             <a:r>
-              <a:rPr lang="en-US" dirty="0" err="1" smtClean="0"/>
+              <a:rPr lang="en-US" dirty="0" err="1"/>
               <a:t>document.querySelector</a:t>
             </a:r>
             <a:r>
-              <a:rPr lang="he-IL" dirty="0" smtClean="0"/>
+              <a:rPr lang="he-IL" dirty="0"/>
               <a:t> .</a:t>
             </a:r>
-            <a:endParaRPr lang="he-IL" dirty="0"/>
           </a:p>
         </p:txBody>
       </p:sp>
@@ -3538,7 +3509,7 @@
           <a:p>
             <a:pPr algn="ctr"/>
             <a:r>
-              <a:rPr lang="he-IL" dirty="0" smtClean="0">
+              <a:rPr lang="he-IL" dirty="0">
                 <a:solidFill>
                   <a:srgbClr val="00B0F0"/>
                 </a:solidFill>
@@ -3552,18 +3523,6 @@
               </a:rPr>
               <a:t>תרגיל 🤒</a:t>
             </a:r>
-            <a:endParaRPr lang="he-IL" dirty="0">
-              <a:solidFill>
-                <a:srgbClr val="00B0F0"/>
-              </a:solidFill>
-              <a:effectLst>
-                <a:outerShdw blurRad="38100" dist="38100" dir="2700000" algn="tl">
-                  <a:srgbClr val="000000">
-                    <a:alpha val="43137"/>
-                  </a:srgbClr>
-                </a:outerShdw>
-              </a:effectLst>
-            </a:endParaRPr>
           </a:p>
         </p:txBody>
       </p:sp>
